--- a/PPT/1. React 시작 전에 알아야 할 JavaScript, TypeScript/0.OT.pptx
+++ b/PPT/1. React 시작 전에 알아야 할 JavaScript, TypeScript/0.OT.pptx
@@ -5586,7 +5586,7 @@
           <a:p>
             <a:fld id="{FFF399F8-82F1-407D-8E5F-976C0237F19B}" type="datetimeFigureOut">
               <a:rPr lang="ko-KR" altLang="en-US" smtClean="0"/>
-              <a:t>2021-06-02</a:t>
+              <a:t>2021-06-07</a:t>
             </a:fld>
             <a:endParaRPr lang="ko-KR" altLang="en-US"/>
           </a:p>
@@ -5784,7 +5784,7 @@
           <a:p>
             <a:fld id="{FFF399F8-82F1-407D-8E5F-976C0237F19B}" type="datetimeFigureOut">
               <a:rPr lang="ko-KR" altLang="en-US" smtClean="0"/>
-              <a:t>2021-06-02</a:t>
+              <a:t>2021-06-07</a:t>
             </a:fld>
             <a:endParaRPr lang="ko-KR" altLang="en-US"/>
           </a:p>
@@ -5992,7 +5992,7 @@
           <a:p>
             <a:fld id="{FFF399F8-82F1-407D-8E5F-976C0237F19B}" type="datetimeFigureOut">
               <a:rPr lang="ko-KR" altLang="en-US" smtClean="0"/>
-              <a:t>2021-06-02</a:t>
+              <a:t>2021-06-07</a:t>
             </a:fld>
             <a:endParaRPr lang="ko-KR" altLang="en-US"/>
           </a:p>
@@ -6190,7 +6190,7 @@
           <a:p>
             <a:fld id="{FFF399F8-82F1-407D-8E5F-976C0237F19B}" type="datetimeFigureOut">
               <a:rPr lang="ko-KR" altLang="en-US" smtClean="0"/>
-              <a:t>2021-06-02</a:t>
+              <a:t>2021-06-07</a:t>
             </a:fld>
             <a:endParaRPr lang="ko-KR" altLang="en-US"/>
           </a:p>
@@ -6465,7 +6465,7 @@
           <a:p>
             <a:fld id="{FFF399F8-82F1-407D-8E5F-976C0237F19B}" type="datetimeFigureOut">
               <a:rPr lang="ko-KR" altLang="en-US" smtClean="0"/>
-              <a:t>2021-06-02</a:t>
+              <a:t>2021-06-07</a:t>
             </a:fld>
             <a:endParaRPr lang="ko-KR" altLang="en-US"/>
           </a:p>
@@ -6730,7 +6730,7 @@
           <a:p>
             <a:fld id="{FFF399F8-82F1-407D-8E5F-976C0237F19B}" type="datetimeFigureOut">
               <a:rPr lang="ko-KR" altLang="en-US" smtClean="0"/>
-              <a:t>2021-06-02</a:t>
+              <a:t>2021-06-07</a:t>
             </a:fld>
             <a:endParaRPr lang="ko-KR" altLang="en-US"/>
           </a:p>
@@ -7142,7 +7142,7 @@
           <a:p>
             <a:fld id="{FFF399F8-82F1-407D-8E5F-976C0237F19B}" type="datetimeFigureOut">
               <a:rPr lang="ko-KR" altLang="en-US" smtClean="0"/>
-              <a:t>2021-06-02</a:t>
+              <a:t>2021-06-07</a:t>
             </a:fld>
             <a:endParaRPr lang="ko-KR" altLang="en-US"/>
           </a:p>
@@ -7283,7 +7283,7 @@
           <a:p>
             <a:fld id="{FFF399F8-82F1-407D-8E5F-976C0237F19B}" type="datetimeFigureOut">
               <a:rPr lang="ko-KR" altLang="en-US" smtClean="0"/>
-              <a:t>2021-06-02</a:t>
+              <a:t>2021-06-07</a:t>
             </a:fld>
             <a:endParaRPr lang="ko-KR" altLang="en-US"/>
           </a:p>
@@ -7396,7 +7396,7 @@
           <a:p>
             <a:fld id="{FFF399F8-82F1-407D-8E5F-976C0237F19B}" type="datetimeFigureOut">
               <a:rPr lang="ko-KR" altLang="en-US" smtClean="0"/>
-              <a:t>2021-06-02</a:t>
+              <a:t>2021-06-07</a:t>
             </a:fld>
             <a:endParaRPr lang="ko-KR" altLang="en-US"/>
           </a:p>
@@ -7707,7 +7707,7 @@
           <a:p>
             <a:fld id="{FFF399F8-82F1-407D-8E5F-976C0237F19B}" type="datetimeFigureOut">
               <a:rPr lang="ko-KR" altLang="en-US" smtClean="0"/>
-              <a:t>2021-06-02</a:t>
+              <a:t>2021-06-07</a:t>
             </a:fld>
             <a:endParaRPr lang="ko-KR" altLang="en-US"/>
           </a:p>
@@ -7995,7 +7995,7 @@
           <a:p>
             <a:fld id="{FFF399F8-82F1-407D-8E5F-976C0237F19B}" type="datetimeFigureOut">
               <a:rPr lang="ko-KR" altLang="en-US" smtClean="0"/>
-              <a:t>2021-06-02</a:t>
+              <a:t>2021-06-07</a:t>
             </a:fld>
             <a:endParaRPr lang="ko-KR" altLang="en-US"/>
           </a:p>
@@ -8236,7 +8236,7 @@
           <a:p>
             <a:fld id="{FFF399F8-82F1-407D-8E5F-976C0237F19B}" type="datetimeFigureOut">
               <a:rPr lang="ko-KR" altLang="en-US" smtClean="0"/>
-              <a:t>2021-06-02</a:t>
+              <a:t>2021-06-07</a:t>
             </a:fld>
             <a:endParaRPr lang="ko-KR" altLang="en-US"/>
           </a:p>

--- a/PPT/1. React 시작 전에 알아야 할 JavaScript, TypeScript/0.OT.pptx
+++ b/PPT/1. React 시작 전에 알아야 할 JavaScript, TypeScript/0.OT.pptx
@@ -1659,7 +1659,7 @@
 <dgm:dataModel xmlns:dgm="http://schemas.openxmlformats.org/drawingml/2006/diagram" xmlns:a="http://schemas.openxmlformats.org/drawingml/2006/main">
   <dgm:ptLst>
     <dgm:pt modelId="{7B217623-C3DC-48C8-AC0F-7EC054F6989C}" type="doc">
-      <dgm:prSet loTypeId="urn:microsoft.com/office/officeart/2005/8/layout/vList2" loCatId="list" qsTypeId="urn:microsoft.com/office/officeart/2005/8/quickstyle/simple1" qsCatId="simple" csTypeId="urn:microsoft.com/office/officeart/2005/8/colors/colorful5" csCatId="colorful"/>
+      <dgm:prSet loTypeId="urn:microsoft.com/office/officeart/2005/8/layout/vList2" loCatId="list" qsTypeId="urn:microsoft.com/office/officeart/2005/8/quickstyle/simple1" qsCatId="simple" csTypeId="urn:microsoft.com/office/officeart/2005/8/colors/colorful5" csCatId="colorful" phldr="1"/>
       <dgm:spPr/>
       <dgm:t>
         <a:bodyPr/>
@@ -1869,7 +1869,7 @@
         <a:p>
           <a:r>
             <a:rPr lang="en-US"/>
-            <a:t>3. GraphQL</a:t>
+            <a:t>3. CSS</a:t>
           </a:r>
         </a:p>
       </dgm:t>
@@ -1905,7 +1905,7 @@
         <a:p>
           <a:r>
             <a:rPr lang="en-US"/>
-            <a:t>4. SQLite</a:t>
+            <a:t>4. Bootstrap</a:t>
           </a:r>
         </a:p>
       </dgm:t>
@@ -1941,7 +1941,7 @@
         <a:p>
           <a:r>
             <a:rPr lang="en-US"/>
-            <a:t>5. Tailwind CSS </a:t>
+            <a:t>5. PostgreSQL</a:t>
           </a:r>
         </a:p>
       </dgm:t>
@@ -1965,6 +1965,44 @@
         <a:lstStyle/>
         <a:p>
           <a:endParaRPr lang="en-US"/>
+        </a:p>
+      </dgm:t>
+    </dgm:pt>
+    <dgm:pt modelId="{C5A23DAA-DF7A-48FA-8369-FB3CC0CBF8B6}">
+      <dgm:prSet/>
+      <dgm:spPr/>
+      <dgm:t>
+        <a:bodyPr/>
+        <a:lstStyle/>
+        <a:p>
+          <a:r>
+            <a:rPr lang="en-US"/>
+            <a:t>6. Apollo</a:t>
+          </a:r>
+        </a:p>
+      </dgm:t>
+    </dgm:pt>
+    <dgm:pt modelId="{CACF132F-C9F1-4240-88AE-6643BB38CBC5}" type="parTrans" cxnId="{E6D378CF-C152-4DB5-AD03-A789D8591606}">
+      <dgm:prSet/>
+      <dgm:spPr/>
+      <dgm:t>
+        <a:bodyPr/>
+        <a:lstStyle/>
+        <a:p>
+          <a:pPr latinLnBrk="1"/>
+          <a:endParaRPr lang="ko-KR" altLang="en-US"/>
+        </a:p>
+      </dgm:t>
+    </dgm:pt>
+    <dgm:pt modelId="{6A4551E7-F38F-436F-B9C8-756D4386D37F}" type="sibTrans" cxnId="{E6D378CF-C152-4DB5-AD03-A789D8591606}">
+      <dgm:prSet/>
+      <dgm:spPr/>
+      <dgm:t>
+        <a:bodyPr/>
+        <a:lstStyle/>
+        <a:p>
+          <a:pPr latinLnBrk="1"/>
+          <a:endParaRPr lang="ko-KR" altLang="en-US"/>
         </a:p>
       </dgm:t>
     </dgm:pt>
@@ -2036,7 +2074,9 @@
     <dgm:cxn modelId="{5109489B-C383-4B9E-AB0B-D04D418DEE9A}" type="presOf" srcId="{7B217623-C3DC-48C8-AC0F-7EC054F6989C}" destId="{7CC545F3-3451-463B-901B-FAE4A0EA4554}" srcOrd="0" destOrd="0" presId="urn:microsoft.com/office/officeart/2005/8/layout/vList2"/>
     <dgm:cxn modelId="{CC23F3B0-1443-47FB-AA3B-07445A057F50}" srcId="{7B217623-C3DC-48C8-AC0F-7EC054F6989C}" destId="{35F5A92D-ECEB-48A1-9D2C-B2F0DD6B63C3}" srcOrd="1" destOrd="0" parTransId="{545840B2-8E0C-4FCF-9584-DC04BDEA018A}" sibTransId="{32C4C17C-8525-4938-A40D-E278ADB8C703}"/>
     <dgm:cxn modelId="{294164B3-B5B7-4D39-87C4-DC7F219DA6DF}" srcId="{8563CFD7-ED85-407C-9450-139011393E2A}" destId="{21AB2117-3C7C-4ADB-8F08-16CB71E898D6}" srcOrd="2" destOrd="0" parTransId="{D2FEB165-C65D-42D3-92B5-BD0CAE009FCF}" sibTransId="{9EFAA3E5-B774-4370-9441-5766EB48199E}"/>
+    <dgm:cxn modelId="{4C13A1CB-BEC6-4041-B3D7-AE594CCECAC1}" type="presOf" srcId="{C5A23DAA-DF7A-48FA-8369-FB3CC0CBF8B6}" destId="{FE481486-3BC2-455B-BF33-863488F8D8A0}" srcOrd="0" destOrd="5" presId="urn:microsoft.com/office/officeart/2005/8/layout/vList2"/>
     <dgm:cxn modelId="{682A38CD-C58F-4F49-95BA-9159CB296503}" type="presOf" srcId="{35F5A92D-ECEB-48A1-9D2C-B2F0DD6B63C3}" destId="{797F1D2B-3053-4F33-AC79-9C62251563C5}" srcOrd="0" destOrd="0" presId="urn:microsoft.com/office/officeart/2005/8/layout/vList2"/>
+    <dgm:cxn modelId="{E6D378CF-C152-4DB5-AD03-A789D8591606}" srcId="{8563CFD7-ED85-407C-9450-139011393E2A}" destId="{C5A23DAA-DF7A-48FA-8369-FB3CC0CBF8B6}" srcOrd="5" destOrd="0" parTransId="{CACF132F-C9F1-4240-88AE-6643BB38CBC5}" sibTransId="{6A4551E7-F38F-436F-B9C8-756D4386D37F}"/>
     <dgm:cxn modelId="{EF21A8DD-9113-4A2B-A191-E02BBDA71092}" srcId="{8563CFD7-ED85-407C-9450-139011393E2A}" destId="{0E6CB01E-4118-4F44-AD8A-5AF6DB5C3CB1}" srcOrd="4" destOrd="0" parTransId="{E2DED509-BD33-4C39-A5EE-37CAB2882801}" sibTransId="{FEA9C63D-1BB7-41C6-95D4-7C545FBDD270}"/>
     <dgm:cxn modelId="{1C7E63DE-7E75-42E4-8B73-52B32E5D472A}" srcId="{7B217623-C3DC-48C8-AC0F-7EC054F6989C}" destId="{8563CFD7-ED85-407C-9450-139011393E2A}" srcOrd="2" destOrd="0" parTransId="{103F4CDC-5907-46CC-B1F8-F2A82B9CAD84}" sibTransId="{CD33054F-8526-4D98-8DF4-6D561D4C84D1}"/>
     <dgm:cxn modelId="{1909E88D-A8B5-443E-B47C-542DC8847690}" type="presParOf" srcId="{7CC545F3-3451-463B-901B-FAE4A0EA4554}" destId="{32FFDE3F-35E6-4159-A8D6-949304FB225F}" srcOrd="0" destOrd="0" presId="urn:microsoft.com/office/officeart/2005/8/layout/vList2"/>
@@ -2327,7 +2367,7 @@
       </dsp:nvSpPr>
       <dsp:spPr>
         <a:xfrm>
-          <a:off x="0" y="301531"/>
+          <a:off x="0" y="68656"/>
           <a:ext cx="6263640" cy="775125"/>
         </a:xfrm>
         <a:prstGeom prst="roundRect">
@@ -2395,7 +2435,7 @@
         </a:p>
       </dsp:txBody>
       <dsp:txXfrm>
-        <a:off x="37838" y="339369"/>
+        <a:off x="37838" y="106494"/>
         <a:ext cx="6187964" cy="699449"/>
       </dsp:txXfrm>
     </dsp:sp>
@@ -2406,7 +2446,7 @@
       </dsp:nvSpPr>
       <dsp:spPr>
         <a:xfrm>
-          <a:off x="0" y="1148656"/>
+          <a:off x="0" y="915781"/>
           <a:ext cx="6263640" cy="775125"/>
         </a:xfrm>
         <a:prstGeom prst="roundRect">
@@ -2482,7 +2522,7 @@
         </a:p>
       </dsp:txBody>
       <dsp:txXfrm>
-        <a:off x="37838" y="1186494"/>
+        <a:off x="37838" y="953619"/>
         <a:ext cx="6187964" cy="699449"/>
       </dsp:txXfrm>
     </dsp:sp>
@@ -2493,7 +2533,7 @@
       </dsp:nvSpPr>
       <dsp:spPr>
         <a:xfrm>
-          <a:off x="0" y="1995781"/>
+          <a:off x="0" y="1762906"/>
           <a:ext cx="6263640" cy="775125"/>
         </a:xfrm>
         <a:prstGeom prst="roundRect">
@@ -2561,7 +2601,7 @@
         </a:p>
       </dsp:txBody>
       <dsp:txXfrm>
-        <a:off x="37838" y="2033619"/>
+        <a:off x="37838" y="1800744"/>
         <a:ext cx="6187964" cy="699449"/>
       </dsp:txXfrm>
     </dsp:sp>
@@ -2572,8 +2612,8 @@
       </dsp:nvSpPr>
       <dsp:spPr>
         <a:xfrm>
-          <a:off x="0" y="2770906"/>
-          <a:ext cx="6263640" cy="2432250"/>
+          <a:off x="0" y="2538031"/>
+          <a:ext cx="6263640" cy="2898000"/>
         </a:xfrm>
         <a:prstGeom prst="rect">
           <a:avLst/>
@@ -2652,7 +2692,7 @@
           </a:pPr>
           <a:r>
             <a:rPr lang="en-US" sz="2000" kern="1200"/>
-            <a:t>3. GraphQL</a:t>
+            <a:t>3. CSS</a:t>
           </a:r>
         </a:p>
         <a:p>
@@ -2670,7 +2710,7 @@
           </a:pPr>
           <a:r>
             <a:rPr lang="en-US" sz="2000" kern="1200"/>
-            <a:t>4. SQLite</a:t>
+            <a:t>4. Bootstrap</a:t>
           </a:r>
         </a:p>
         <a:p>
@@ -2688,13 +2728,31 @@
           </a:pPr>
           <a:r>
             <a:rPr lang="en-US" sz="2000" kern="1200"/>
-            <a:t>5. Tailwind CSS </a:t>
+            <a:t>5. PostgreSQL</a:t>
+          </a:r>
+        </a:p>
+        <a:p>
+          <a:pPr marL="228600" lvl="1" indent="-228600" algn="l" defTabSz="889000">
+            <a:lnSpc>
+              <a:spcPct val="90000"/>
+            </a:lnSpc>
+            <a:spcBef>
+              <a:spcPct val="0"/>
+            </a:spcBef>
+            <a:spcAft>
+              <a:spcPct val="20000"/>
+            </a:spcAft>
+            <a:buChar char="•"/>
+          </a:pPr>
+          <a:r>
+            <a:rPr lang="en-US" sz="2000" kern="1200"/>
+            <a:t>6. Apollo</a:t>
           </a:r>
         </a:p>
       </dsp:txBody>
       <dsp:txXfrm>
-        <a:off x="0" y="2770906"/>
-        <a:ext cx="6263640" cy="2432250"/>
+        <a:off x="0" y="2538031"/>
+        <a:ext cx="6263640" cy="2898000"/>
       </dsp:txXfrm>
     </dsp:sp>
   </dsp:spTree>
@@ -5586,7 +5644,7 @@
           <a:p>
             <a:fld id="{FFF399F8-82F1-407D-8E5F-976C0237F19B}" type="datetimeFigureOut">
               <a:rPr lang="ko-KR" altLang="en-US" smtClean="0"/>
-              <a:t>2021-06-07</a:t>
+              <a:t>2021-06-12</a:t>
             </a:fld>
             <a:endParaRPr lang="ko-KR" altLang="en-US"/>
           </a:p>
@@ -5784,7 +5842,7 @@
           <a:p>
             <a:fld id="{FFF399F8-82F1-407D-8E5F-976C0237F19B}" type="datetimeFigureOut">
               <a:rPr lang="ko-KR" altLang="en-US" smtClean="0"/>
-              <a:t>2021-06-07</a:t>
+              <a:t>2021-06-12</a:t>
             </a:fld>
             <a:endParaRPr lang="ko-KR" altLang="en-US"/>
           </a:p>
@@ -5992,7 +6050,7 @@
           <a:p>
             <a:fld id="{FFF399F8-82F1-407D-8E5F-976C0237F19B}" type="datetimeFigureOut">
               <a:rPr lang="ko-KR" altLang="en-US" smtClean="0"/>
-              <a:t>2021-06-07</a:t>
+              <a:t>2021-06-12</a:t>
             </a:fld>
             <a:endParaRPr lang="ko-KR" altLang="en-US"/>
           </a:p>
@@ -6190,7 +6248,7 @@
           <a:p>
             <a:fld id="{FFF399F8-82F1-407D-8E5F-976C0237F19B}" type="datetimeFigureOut">
               <a:rPr lang="ko-KR" altLang="en-US" smtClean="0"/>
-              <a:t>2021-06-07</a:t>
+              <a:t>2021-06-12</a:t>
             </a:fld>
             <a:endParaRPr lang="ko-KR" altLang="en-US"/>
           </a:p>
@@ -6465,7 +6523,7 @@
           <a:p>
             <a:fld id="{FFF399F8-82F1-407D-8E5F-976C0237F19B}" type="datetimeFigureOut">
               <a:rPr lang="ko-KR" altLang="en-US" smtClean="0"/>
-              <a:t>2021-06-07</a:t>
+              <a:t>2021-06-12</a:t>
             </a:fld>
             <a:endParaRPr lang="ko-KR" altLang="en-US"/>
           </a:p>
@@ -6730,7 +6788,7 @@
           <a:p>
             <a:fld id="{FFF399F8-82F1-407D-8E5F-976C0237F19B}" type="datetimeFigureOut">
               <a:rPr lang="ko-KR" altLang="en-US" smtClean="0"/>
-              <a:t>2021-06-07</a:t>
+              <a:t>2021-06-12</a:t>
             </a:fld>
             <a:endParaRPr lang="ko-KR" altLang="en-US"/>
           </a:p>
@@ -7142,7 +7200,7 @@
           <a:p>
             <a:fld id="{FFF399F8-82F1-407D-8E5F-976C0237F19B}" type="datetimeFigureOut">
               <a:rPr lang="ko-KR" altLang="en-US" smtClean="0"/>
-              <a:t>2021-06-07</a:t>
+              <a:t>2021-06-12</a:t>
             </a:fld>
             <a:endParaRPr lang="ko-KR" altLang="en-US"/>
           </a:p>
@@ -7283,7 +7341,7 @@
           <a:p>
             <a:fld id="{FFF399F8-82F1-407D-8E5F-976C0237F19B}" type="datetimeFigureOut">
               <a:rPr lang="ko-KR" altLang="en-US" smtClean="0"/>
-              <a:t>2021-06-07</a:t>
+              <a:t>2021-06-12</a:t>
             </a:fld>
             <a:endParaRPr lang="ko-KR" altLang="en-US"/>
           </a:p>
@@ -7396,7 +7454,7 @@
           <a:p>
             <a:fld id="{FFF399F8-82F1-407D-8E5F-976C0237F19B}" type="datetimeFigureOut">
               <a:rPr lang="ko-KR" altLang="en-US" smtClean="0"/>
-              <a:t>2021-06-07</a:t>
+              <a:t>2021-06-12</a:t>
             </a:fld>
             <a:endParaRPr lang="ko-KR" altLang="en-US"/>
           </a:p>
@@ -7707,7 +7765,7 @@
           <a:p>
             <a:fld id="{FFF399F8-82F1-407D-8E5F-976C0237F19B}" type="datetimeFigureOut">
               <a:rPr lang="ko-KR" altLang="en-US" smtClean="0"/>
-              <a:t>2021-06-07</a:t>
+              <a:t>2021-06-12</a:t>
             </a:fld>
             <a:endParaRPr lang="ko-KR" altLang="en-US"/>
           </a:p>
@@ -7995,7 +8053,7 @@
           <a:p>
             <a:fld id="{FFF399F8-82F1-407D-8E5F-976C0237F19B}" type="datetimeFigureOut">
               <a:rPr lang="ko-KR" altLang="en-US" smtClean="0"/>
-              <a:t>2021-06-07</a:t>
+              <a:t>2021-06-12</a:t>
             </a:fld>
             <a:endParaRPr lang="ko-KR" altLang="en-US"/>
           </a:p>
@@ -8236,7 +8294,7 @@
           <a:p>
             <a:fld id="{FFF399F8-82F1-407D-8E5F-976C0237F19B}" type="datetimeFigureOut">
               <a:rPr lang="ko-KR" altLang="en-US" smtClean="0"/>
-              <a:t>2021-06-07</a:t>
+              <a:t>2021-06-12</a:t>
             </a:fld>
             <a:endParaRPr lang="ko-KR" altLang="en-US"/>
           </a:p>
@@ -11196,7 +11254,7 @@
             <p:ph idx="1"/>
             <p:extLst>
               <p:ext uri="{D42A27DB-BD31-4B8C-83A1-F6EECF244321}">
-                <p14:modId xmlns:p14="http://schemas.microsoft.com/office/powerpoint/2010/main" val="1909544560"/>
+                <p14:modId xmlns:p14="http://schemas.microsoft.com/office/powerpoint/2010/main" val="2698321855"/>
               </p:ext>
             </p:extLst>
           </p:nvPr>
